--- a/THESIS/DACN_UD_Hoc_KHo_CTK37_BaoCao_D1.pptx
+++ b/THESIS/DACN_UD_Hoc_KHo_CTK37_BaoCao_D1.pptx
@@ -3908,7 +3908,7 @@
           <p:cNvPr id="10" name="Picture 9">
             <a:extLst>
               <a:ext uri="{FF2B5EF4-FFF2-40B4-BE49-F238E27FC236}">
-                <a16:creationId xmlns="" xmlns:a16="http://schemas.microsoft.com/office/drawing/2014/main" id="{8D2D12AD-440E-467D-AB43-0C3F2A1664D6}"/>
+                <a16:creationId xmlns:a16="http://schemas.microsoft.com/office/drawing/2014/main" xmlns="" id="{8D2D12AD-440E-467D-AB43-0C3F2A1664D6}"/>
               </a:ext>
             </a:extLst>
           </p:cNvPr>
@@ -4260,7 +4260,7 @@
           <p:cNvPr id="8" name="Title 1">
             <a:extLst>
               <a:ext uri="{FF2B5EF4-FFF2-40B4-BE49-F238E27FC236}">
-                <a16:creationId xmlns="" xmlns:a16="http://schemas.microsoft.com/office/drawing/2014/main" id="{C1FDB4AA-11EA-4480-B168-DF04D9432BE3}"/>
+                <a16:creationId xmlns:a16="http://schemas.microsoft.com/office/drawing/2014/main" xmlns="" id="{C1FDB4AA-11EA-4480-B168-DF04D9432BE3}"/>
               </a:ext>
             </a:extLst>
           </p:cNvPr>
@@ -4637,7 +4637,7 @@
           <p:cNvPr id="7" name="Title 1">
             <a:extLst>
               <a:ext uri="{FF2B5EF4-FFF2-40B4-BE49-F238E27FC236}">
-                <a16:creationId xmlns="" xmlns:a16="http://schemas.microsoft.com/office/drawing/2014/main" id="{CE52A4DC-9B00-4F77-B20C-9468ECF2E962}"/>
+                <a16:creationId xmlns:a16="http://schemas.microsoft.com/office/drawing/2014/main" xmlns="" id="{CE52A4DC-9B00-4F77-B20C-9468ECF2E962}"/>
               </a:ext>
             </a:extLst>
           </p:cNvPr>
@@ -5032,7 +5032,7 @@
           <p:cNvPr id="7" name="Title 1">
             <a:extLst>
               <a:ext uri="{FF2B5EF4-FFF2-40B4-BE49-F238E27FC236}">
-                <a16:creationId xmlns="" xmlns:a16="http://schemas.microsoft.com/office/drawing/2014/main" id="{FE791987-208E-49E0-9E8C-2920DD679E83}"/>
+                <a16:creationId xmlns:a16="http://schemas.microsoft.com/office/drawing/2014/main" xmlns="" id="{FE791987-208E-49E0-9E8C-2920DD679E83}"/>
               </a:ext>
             </a:extLst>
           </p:cNvPr>
@@ -5464,7 +5464,7 @@
           <p:cNvPr id="7" name="Title 1">
             <a:extLst>
               <a:ext uri="{FF2B5EF4-FFF2-40B4-BE49-F238E27FC236}">
-                <a16:creationId xmlns="" xmlns:a16="http://schemas.microsoft.com/office/drawing/2014/main" id="{C0C3A5CE-A1DD-42B5-8370-C634CDFCEC1F}"/>
+                <a16:creationId xmlns:a16="http://schemas.microsoft.com/office/drawing/2014/main" xmlns="" id="{C0C3A5CE-A1DD-42B5-8370-C634CDFCEC1F}"/>
               </a:ext>
             </a:extLst>
           </p:cNvPr>
@@ -5856,7 +5856,7 @@
           <p:cNvPr id="7" name="Title 1">
             <a:extLst>
               <a:ext uri="{FF2B5EF4-FFF2-40B4-BE49-F238E27FC236}">
-                <a16:creationId xmlns="" xmlns:a16="http://schemas.microsoft.com/office/drawing/2014/main" id="{61E34DC2-FC25-42CA-8660-A8A8999FD6D8}"/>
+                <a16:creationId xmlns:a16="http://schemas.microsoft.com/office/drawing/2014/main" xmlns="" id="{61E34DC2-FC25-42CA-8660-A8A8999FD6D8}"/>
               </a:ext>
             </a:extLst>
           </p:cNvPr>
@@ -6329,7 +6329,7 @@
           <p:cNvPr id="8" name="Title 1">
             <a:extLst>
               <a:ext uri="{FF2B5EF4-FFF2-40B4-BE49-F238E27FC236}">
-                <a16:creationId xmlns="" xmlns:a16="http://schemas.microsoft.com/office/drawing/2014/main" id="{EF92401E-ADA8-4757-8D0C-8B2857FECBFC}"/>
+                <a16:creationId xmlns:a16="http://schemas.microsoft.com/office/drawing/2014/main" xmlns="" id="{EF92401E-ADA8-4757-8D0C-8B2857FECBFC}"/>
               </a:ext>
             </a:extLst>
           </p:cNvPr>
@@ -6559,8 +6559,8 @@
         </p:nvSpPr>
         <p:spPr>
           <a:xfrm>
-            <a:off x="152400" y="1417638"/>
-            <a:ext cx="6629400" cy="5324535"/>
+            <a:off x="152400" y="1058386"/>
+            <a:ext cx="6629400" cy="5663089"/>
           </a:xfrm>
           <a:prstGeom prst="rect">
             <a:avLst/>
@@ -6598,7 +6598,21 @@
                 <a:latin typeface="Arial" panose="020B0604020202020204" pitchFamily="34" charset="0"/>
                 <a:cs typeface="Arial" panose="020B0604020202020204" pitchFamily="34" charset="0"/>
               </a:rPr>
-              <a:t>DAO Layer: Dùng để truy vấn đến lớp DTO Layer.</a:t>
+              <a:t>DAO </a:t>
+            </a:r>
+            <a:r>
+              <a:rPr lang="en-US" sz="2200" dirty="0" smtClean="0">
+                <a:latin typeface="Arial" panose="020B0604020202020204" pitchFamily="34" charset="0"/>
+                <a:cs typeface="Arial" panose="020B0604020202020204" pitchFamily="34" charset="0"/>
+              </a:rPr>
+              <a:t>Layer (Data Access Object): </a:t>
+            </a:r>
+            <a:r>
+              <a:rPr lang="en-US" sz="2200" dirty="0">
+                <a:latin typeface="Arial" panose="020B0604020202020204" pitchFamily="34" charset="0"/>
+                <a:cs typeface="Arial" panose="020B0604020202020204" pitchFamily="34" charset="0"/>
+              </a:rPr>
+              <a:t>Dùng để truy vấn đến lớp DTO Layer.</a:t>
             </a:r>
           </a:p>
           <a:p>
@@ -6611,7 +6625,21 @@
                 <a:latin typeface="Arial" panose="020B0604020202020204" pitchFamily="34" charset="0"/>
                 <a:cs typeface="Arial" panose="020B0604020202020204" pitchFamily="34" charset="0"/>
               </a:rPr>
-              <a:t>DTO Layer: Dùng để định nghĩa các table trong database.</a:t>
+              <a:t>DTO </a:t>
+            </a:r>
+            <a:r>
+              <a:rPr lang="en-US" sz="2200" dirty="0" smtClean="0">
+                <a:latin typeface="Arial" panose="020B0604020202020204" pitchFamily="34" charset="0"/>
+                <a:cs typeface="Arial" panose="020B0604020202020204" pitchFamily="34" charset="0"/>
+              </a:rPr>
+              <a:t>Layer (DataTable to an Object): </a:t>
+            </a:r>
+            <a:r>
+              <a:rPr lang="en-US" sz="2200" dirty="0">
+                <a:latin typeface="Arial" panose="020B0604020202020204" pitchFamily="34" charset="0"/>
+                <a:cs typeface="Arial" panose="020B0604020202020204" pitchFamily="34" charset="0"/>
+              </a:rPr>
+              <a:t>Dùng để định nghĩa các table trong database.</a:t>
             </a:r>
           </a:p>
           <a:p>
@@ -6624,7 +6652,21 @@
                 <a:latin typeface="Arial" panose="020B0604020202020204" pitchFamily="34" charset="0"/>
                 <a:cs typeface="Arial" panose="020B0604020202020204" pitchFamily="34" charset="0"/>
               </a:rPr>
-              <a:t>GUI Layer: Dùng để hiển thị giao diện và các chức năng để người sử dụng thao tác.</a:t>
+              <a:t>GUI </a:t>
+            </a:r>
+            <a:r>
+              <a:rPr lang="en-US" sz="2200" dirty="0" smtClean="0">
+                <a:latin typeface="Arial" panose="020B0604020202020204" pitchFamily="34" charset="0"/>
+                <a:cs typeface="Arial" panose="020B0604020202020204" pitchFamily="34" charset="0"/>
+              </a:rPr>
+              <a:t>Layer (Graphical User Interface): </a:t>
+            </a:r>
+            <a:r>
+              <a:rPr lang="en-US" sz="2200" dirty="0">
+                <a:latin typeface="Arial" panose="020B0604020202020204" pitchFamily="34" charset="0"/>
+                <a:cs typeface="Arial" panose="020B0604020202020204" pitchFamily="34" charset="0"/>
+              </a:rPr>
+              <a:t>Dùng để hiển thị giao diện và các chức năng để người sử dụng thao tác.</a:t>
             </a:r>
           </a:p>
           <a:p>
@@ -6675,7 +6717,7 @@
           <p:cNvPr id="12" name="Title 1">
             <a:extLst>
               <a:ext uri="{FF2B5EF4-FFF2-40B4-BE49-F238E27FC236}">
-                <a16:creationId xmlns="" xmlns:a16="http://schemas.microsoft.com/office/drawing/2014/main" id="{E94A7BF7-CAEF-4A13-A1EF-0C2ACF8D13F8}"/>
+                <a16:creationId xmlns:a16="http://schemas.microsoft.com/office/drawing/2014/main" xmlns="" id="{E94A7BF7-CAEF-4A13-A1EF-0C2ACF8D13F8}"/>
               </a:ext>
             </a:extLst>
           </p:cNvPr>
@@ -6965,7 +7007,7 @@
           <p:cNvPr id="10" name="Title 1">
             <a:extLst>
               <a:ext uri="{FF2B5EF4-FFF2-40B4-BE49-F238E27FC236}">
-                <a16:creationId xmlns="" xmlns:a16="http://schemas.microsoft.com/office/drawing/2014/main" id="{7368D8FC-019C-4E0A-9E64-2A1D10A99CC1}"/>
+                <a16:creationId xmlns:a16="http://schemas.microsoft.com/office/drawing/2014/main" xmlns="" id="{7368D8FC-019C-4E0A-9E64-2A1D10A99CC1}"/>
               </a:ext>
             </a:extLst>
           </p:cNvPr>
@@ -8933,7 +8975,7 @@
           <p:cNvPr id="3" name="Date Placeholder 2">
             <a:extLst>
               <a:ext uri="{FF2B5EF4-FFF2-40B4-BE49-F238E27FC236}">
-                <a16:creationId xmlns="" xmlns:a16="http://schemas.microsoft.com/office/drawing/2014/main" id="{009A8110-A8EA-4452-ADAF-F7BBF2530252}"/>
+                <a16:creationId xmlns:a16="http://schemas.microsoft.com/office/drawing/2014/main" xmlns="" id="{009A8110-A8EA-4452-ADAF-F7BBF2530252}"/>
               </a:ext>
             </a:extLst>
           </p:cNvPr>
@@ -8961,7 +9003,7 @@
           <p:cNvPr id="4" name="Footer Placeholder 3">
             <a:extLst>
               <a:ext uri="{FF2B5EF4-FFF2-40B4-BE49-F238E27FC236}">
-                <a16:creationId xmlns="" xmlns:a16="http://schemas.microsoft.com/office/drawing/2014/main" id="{3E6C7E9B-899F-4E15-B204-26C330C2B3D4}"/>
+                <a16:creationId xmlns:a16="http://schemas.microsoft.com/office/drawing/2014/main" xmlns="" id="{3E6C7E9B-899F-4E15-B204-26C330C2B3D4}"/>
               </a:ext>
             </a:extLst>
           </p:cNvPr>
@@ -8986,7 +9028,7 @@
           <p:cNvPr id="5" name="Slide Number Placeholder 4">
             <a:extLst>
               <a:ext uri="{FF2B5EF4-FFF2-40B4-BE49-F238E27FC236}">
-                <a16:creationId xmlns="" xmlns:a16="http://schemas.microsoft.com/office/drawing/2014/main" id="{D2811794-EE24-40AE-8BD1-4899758D7765}"/>
+                <a16:creationId xmlns:a16="http://schemas.microsoft.com/office/drawing/2014/main" xmlns="" id="{D2811794-EE24-40AE-8BD1-4899758D7765}"/>
               </a:ext>
             </a:extLst>
           </p:cNvPr>
@@ -9015,7 +9057,7 @@
           <p:cNvPr id="6" name="Table 5">
             <a:extLst>
               <a:ext uri="{FF2B5EF4-FFF2-40B4-BE49-F238E27FC236}">
-                <a16:creationId xmlns="" xmlns:a16="http://schemas.microsoft.com/office/drawing/2014/main" id="{46FE9E2A-514D-4555-8337-9ADA14F598AD}"/>
+                <a16:creationId xmlns:a16="http://schemas.microsoft.com/office/drawing/2014/main" xmlns="" id="{46FE9E2A-514D-4555-8337-9ADA14F598AD}"/>
               </a:ext>
             </a:extLst>
           </p:cNvPr>
@@ -9044,21 +9086,21 @@
                 <a:gridCol w="1720906">
                   <a:extLst>
                     <a:ext uri="{9D8B030D-6E8A-4147-A177-3AD203B41FA5}">
-                      <a16:colId xmlns="" xmlns:a16="http://schemas.microsoft.com/office/drawing/2014/main" val="2708479153"/>
+                      <a16:colId xmlns:a16="http://schemas.microsoft.com/office/drawing/2014/main" xmlns="" val="2708479153"/>
                     </a:ext>
                   </a:extLst>
                 </a:gridCol>
                 <a:gridCol w="1720906">
                   <a:extLst>
                     <a:ext uri="{9D8B030D-6E8A-4147-A177-3AD203B41FA5}">
-                      <a16:colId xmlns="" xmlns:a16="http://schemas.microsoft.com/office/drawing/2014/main" val="760569897"/>
+                      <a16:colId xmlns:a16="http://schemas.microsoft.com/office/drawing/2014/main" xmlns="" val="760569897"/>
                     </a:ext>
                   </a:extLst>
                 </a:gridCol>
                 <a:gridCol w="5397387">
                   <a:extLst>
                     <a:ext uri="{9D8B030D-6E8A-4147-A177-3AD203B41FA5}">
-                      <a16:colId xmlns="" xmlns:a16="http://schemas.microsoft.com/office/drawing/2014/main" val="3000805044"/>
+                      <a16:colId xmlns:a16="http://schemas.microsoft.com/office/drawing/2014/main" xmlns="" val="3000805044"/>
                     </a:ext>
                   </a:extLst>
                 </a:gridCol>
@@ -9212,7 +9254,7 @@
                 </a:tc>
                 <a:extLst>
                   <a:ext uri="{0D108BD9-81ED-4DB2-BD59-A6C34878D82A}">
-                    <a16:rowId xmlns="" xmlns:a16="http://schemas.microsoft.com/office/drawing/2014/main" val="338808006"/>
+                    <a16:rowId xmlns:a16="http://schemas.microsoft.com/office/drawing/2014/main" xmlns="" val="338808006"/>
                   </a:ext>
                 </a:extLst>
               </a:tr>
@@ -9329,7 +9371,7 @@
                 </a:tc>
                 <a:extLst>
                   <a:ext uri="{0D108BD9-81ED-4DB2-BD59-A6C34878D82A}">
-                    <a16:rowId xmlns="" xmlns:a16="http://schemas.microsoft.com/office/drawing/2014/main" val="3344276007"/>
+                    <a16:rowId xmlns:a16="http://schemas.microsoft.com/office/drawing/2014/main" xmlns="" val="3344276007"/>
                   </a:ext>
                 </a:extLst>
               </a:tr>
@@ -9467,7 +9509,7 @@
                 </a:tc>
                 <a:extLst>
                   <a:ext uri="{0D108BD9-81ED-4DB2-BD59-A6C34878D82A}">
-                    <a16:rowId xmlns="" xmlns:a16="http://schemas.microsoft.com/office/drawing/2014/main" val="2056027273"/>
+                    <a16:rowId xmlns:a16="http://schemas.microsoft.com/office/drawing/2014/main" xmlns="" val="2056027273"/>
                   </a:ext>
                 </a:extLst>
               </a:tr>
@@ -9480,7 +9522,7 @@
           <p:cNvPr id="7" name="Title 1">
             <a:extLst>
               <a:ext uri="{FF2B5EF4-FFF2-40B4-BE49-F238E27FC236}">
-                <a16:creationId xmlns="" xmlns:a16="http://schemas.microsoft.com/office/drawing/2014/main" id="{764A5D39-BEF1-4B3C-8BCF-13BB4D78BFB7}"/>
+                <a16:creationId xmlns:a16="http://schemas.microsoft.com/office/drawing/2014/main" xmlns="" id="{764A5D39-BEF1-4B3C-8BCF-13BB4D78BFB7}"/>
               </a:ext>
             </a:extLst>
           </p:cNvPr>
@@ -10028,7 +10070,7 @@
           <p:cNvPr id="7" name="Title 1">
             <a:extLst>
               <a:ext uri="{FF2B5EF4-FFF2-40B4-BE49-F238E27FC236}">
-                <a16:creationId xmlns="" xmlns:a16="http://schemas.microsoft.com/office/drawing/2014/main" id="{A26F03AE-A5EF-4A37-AD0A-4A124D961228}"/>
+                <a16:creationId xmlns:a16="http://schemas.microsoft.com/office/drawing/2014/main" xmlns="" id="{A26F03AE-A5EF-4A37-AD0A-4A124D961228}"/>
               </a:ext>
             </a:extLst>
           </p:cNvPr>
@@ -10635,7 +10677,7 @@
           <p:cNvPr id="8" name="Title 1">
             <a:extLst>
               <a:ext uri="{FF2B5EF4-FFF2-40B4-BE49-F238E27FC236}">
-                <a16:creationId xmlns="" xmlns:a16="http://schemas.microsoft.com/office/drawing/2014/main" id="{6678819E-8E04-460E-A82B-ECE3893CFFD4}"/>
+                <a16:creationId xmlns:a16="http://schemas.microsoft.com/office/drawing/2014/main" xmlns="" id="{6678819E-8E04-460E-A82B-ECE3893CFFD4}"/>
               </a:ext>
             </a:extLst>
           </p:cNvPr>
@@ -10950,7 +10992,7 @@
           <p:cNvPr id="7" name="Title 1">
             <a:extLst>
               <a:ext uri="{FF2B5EF4-FFF2-40B4-BE49-F238E27FC236}">
-                <a16:creationId xmlns="" xmlns:a16="http://schemas.microsoft.com/office/drawing/2014/main" id="{68CE6783-9C0D-46BA-8D98-4A95830915D5}"/>
+                <a16:creationId xmlns:a16="http://schemas.microsoft.com/office/drawing/2014/main" xmlns="" id="{68CE6783-9C0D-46BA-8D98-4A95830915D5}"/>
               </a:ext>
             </a:extLst>
           </p:cNvPr>
@@ -11361,7 +11403,7 @@
           <p:cNvPr id="10" name="Title 1">
             <a:extLst>
               <a:ext uri="{FF2B5EF4-FFF2-40B4-BE49-F238E27FC236}">
-                <a16:creationId xmlns="" xmlns:a16="http://schemas.microsoft.com/office/drawing/2014/main" id="{CE9FC90B-B7F5-4875-92B3-D93A56358423}"/>
+                <a16:creationId xmlns:a16="http://schemas.microsoft.com/office/drawing/2014/main" xmlns="" id="{CE9FC90B-B7F5-4875-92B3-D93A56358423}"/>
               </a:ext>
             </a:extLst>
           </p:cNvPr>

--- a/THESIS/DACN_UD_Hoc_KHo_CTK37_BaoCao_D1.pptx
+++ b/THESIS/DACN_UD_Hoc_KHo_CTK37_BaoCao_D1.pptx
@@ -9067,7 +9067,7 @@
           <p:nvPr>
             <p:extLst>
               <p:ext uri="{D42A27DB-BD31-4B8C-83A1-F6EECF244321}">
-                <p14:modId xmlns:p14="http://schemas.microsoft.com/office/powerpoint/2010/main" val="593070787"/>
+                <p14:modId xmlns:p14="http://schemas.microsoft.com/office/powerpoint/2010/main" val="1055414233"/>
               </p:ext>
             </p:extLst>
           </p:nvPr>
@@ -9190,7 +9190,7 @@
                         </a:spcAft>
                       </a:pPr>
                       <a:r>
-                        <a:rPr lang="en-US" sz="2200" kern="1200">
+                        <a:rPr lang="en-US" sz="2200" kern="1200" dirty="0">
                           <a:solidFill>
                             <a:schemeClr val="dk1"/>
                           </a:solidFill>
@@ -9221,7 +9221,7 @@
                         <a:defRPr/>
                       </a:pPr>
                       <a:r>
-                        <a:rPr lang="en-US" sz="2200" kern="1200">
+                        <a:rPr lang="en-US" sz="2200" kern="1200" dirty="0">
                           <a:solidFill>
                             <a:schemeClr val="dk1"/>
                           </a:solidFill>
@@ -9232,7 +9232,7 @@
                         </a:rPr>
                         <a:t>- Hoàn thiện dần các chức năng của ứng dụng.</a:t>
                       </a:r>
-                      <a:endParaRPr lang="vi-VN" sz="2200" kern="1200">
+                      <a:endParaRPr lang="vi-VN" sz="2200" kern="1200" dirty="0">
                         <a:solidFill>
                           <a:schemeClr val="dk1"/>
                         </a:solidFill>
@@ -9273,12 +9273,12 @@
                         </a:spcAft>
                       </a:pPr>
                       <a:r>
-                        <a:rPr lang="en-US" sz="2200" b="1">
+                        <a:rPr lang="en-US" sz="2200" b="1" dirty="0">
                           <a:effectLst/>
                         </a:rPr>
                         <a:t>16/11/2017</a:t>
                       </a:r>
-                      <a:endParaRPr lang="vi-VN" sz="2200" b="1">
+                      <a:endParaRPr lang="vi-VN" sz="2200" b="1" dirty="0">
                         <a:solidFill>
                           <a:srgbClr val="000000"/>
                         </a:solidFill>
@@ -9346,7 +9346,7 @@
                         <a:defRPr/>
                       </a:pPr>
                       <a:r>
-                        <a:rPr lang="en-US" sz="2200" b="1">
+                        <a:rPr lang="en-US" sz="2200" b="1" dirty="0" smtClean="0">
                           <a:solidFill>
                             <a:schemeClr val="tx1"/>
                           </a:solidFill>
@@ -9354,9 +9354,20 @@
                           <a:latin typeface="Times New Roman" panose="02020603050405020304" pitchFamily="18" charset="0"/>
                           <a:cs typeface="Times New Roman" panose="02020603050405020304" pitchFamily="18" charset="0"/>
                         </a:rPr>
-                        <a:t>Hoàn thiện ứng dụng.</a:t>
+                        <a:t>- Hoàn </a:t>
                       </a:r>
-                      <a:endParaRPr lang="vi-VN" sz="2200" b="1">
+                      <a:r>
+                        <a:rPr lang="en-US" sz="2200" b="1" dirty="0">
+                          <a:solidFill>
+                            <a:schemeClr val="tx1"/>
+                          </a:solidFill>
+                          <a:effectLst/>
+                          <a:latin typeface="Times New Roman" panose="02020603050405020304" pitchFamily="18" charset="0"/>
+                          <a:cs typeface="Times New Roman" panose="02020603050405020304" pitchFamily="18" charset="0"/>
+                        </a:rPr>
+                        <a:t>thiện ứng dụng.</a:t>
+                      </a:r>
+                      <a:endParaRPr lang="vi-VN" sz="2200" b="1" dirty="0">
                         <a:solidFill>
                           <a:schemeClr val="tx1"/>
                         </a:solidFill>
@@ -9730,12 +9741,62 @@
           <a:p>
             <a:pPr algn="ctr"/>
             <a:r>
+              <a:rPr lang="en-US" sz="2800" dirty="0" smtClean="0">
+                <a:solidFill>
+                  <a:schemeClr val="bg1"/>
+                </a:solidFill>
+                <a:latin typeface="Arial" panose="020B0604020202020204" pitchFamily="34" charset="0"/>
+                <a:cs typeface="Arial" panose="020B0604020202020204" pitchFamily="34" charset="0"/>
+              </a:rPr>
+              <a:t>Cảm ơn </a:t>
+            </a:r>
+            <a:r>
               <a:rPr lang="en-US" sz="2800" dirty="0">
-                <a:latin typeface="Arial" panose="020B0604020202020204" pitchFamily="34" charset="0"/>
-                <a:cs typeface="Arial" panose="020B0604020202020204" pitchFamily="34" charset="0"/>
-              </a:rPr>
-              <a:t>Chúng em xin chân thành cảm ơn quý Thầy Cô đã chú ý lắng nghe nhóm em trình bày.</a:t>
-            </a:r>
+                <a:solidFill>
+                  <a:schemeClr val="bg1"/>
+                </a:solidFill>
+                <a:latin typeface="Arial" panose="020B0604020202020204" pitchFamily="34" charset="0"/>
+                <a:cs typeface="Arial" panose="020B0604020202020204" pitchFamily="34" charset="0"/>
+              </a:rPr>
+              <a:t>Thầy Cô đã chú ý lắng nghe nhóm em trình bày.</a:t>
+            </a:r>
+          </a:p>
+        </p:txBody>
+      </p:sp>
+      <p:sp>
+        <p:nvSpPr>
+          <p:cNvPr id="6" name="TextBox 5"/>
+          <p:cNvSpPr txBox="1"/>
+          <p:nvPr/>
+        </p:nvSpPr>
+        <p:spPr>
+          <a:xfrm>
+            <a:off x="544995" y="2897831"/>
+            <a:ext cx="8054009" cy="492443"/>
+          </a:xfrm>
+          <a:prstGeom prst="rect">
+            <a:avLst/>
+          </a:prstGeom>
+          <a:noFill/>
+        </p:spPr>
+        <p:txBody>
+          <a:bodyPr wrap="square" rtlCol="0">
+            <a:spAutoFit/>
+          </a:bodyPr>
+          <a:lstStyle/>
+          <a:p>
+            <a:pPr algn="ctr"/>
+            <a:r>
+              <a:rPr lang="en-US" sz="2600" b="1" dirty="0" smtClean="0">
+                <a:latin typeface="Arial" panose="020B0604020202020204" pitchFamily="34" charset="0"/>
+                <a:cs typeface="Arial" panose="020B0604020202020204" pitchFamily="34" charset="0"/>
+              </a:rPr>
+              <a:t>CẢM ƠN THẦY CÔ VÀ CÁC BẠN ĐÃ LẮNG NGHE</a:t>
+            </a:r>
+            <a:endParaRPr lang="en-US" sz="2600" b="1" dirty="0">
+              <a:latin typeface="Arial" panose="020B0604020202020204" pitchFamily="34" charset="0"/>
+              <a:cs typeface="Arial" panose="020B0604020202020204" pitchFamily="34" charset="0"/>
+            </a:endParaRPr>
           </a:p>
         </p:txBody>
       </p:sp>
@@ -9946,7 +10007,27 @@
                 <a:latin typeface="Arial" panose="020B0604020202020204" pitchFamily="34" charset="0"/>
                 <a:cs typeface="Arial" panose="020B0604020202020204" pitchFamily="34" charset="0"/>
               </a:rPr>
-              <a:t>Kơ Ho</a:t>
+              <a:t>Kơ </a:t>
+            </a:r>
+            <a:r>
+              <a:rPr lang="en-US" sz="2400" b="1" dirty="0" smtClean="0">
+                <a:solidFill>
+                  <a:schemeClr val="tx1"/>
+                </a:solidFill>
+                <a:latin typeface="Arial" panose="020B0604020202020204" pitchFamily="34" charset="0"/>
+                <a:cs typeface="Arial" panose="020B0604020202020204" pitchFamily="34" charset="0"/>
+              </a:rPr>
+              <a:t>Ho</a:t>
+            </a:r>
+            <a:r>
+              <a:rPr lang="en-US" sz="2400" dirty="0" smtClean="0">
+                <a:solidFill>
+                  <a:schemeClr val="tx1"/>
+                </a:solidFill>
+                <a:latin typeface="Arial" panose="020B0604020202020204" pitchFamily="34" charset="0"/>
+                <a:cs typeface="Arial" panose="020B0604020202020204" pitchFamily="34" charset="0"/>
+              </a:rPr>
+              <a:t>, hoặc</a:t>
             </a:r>
             <a:r>
               <a:rPr lang="en-US" sz="2400" dirty="0">
@@ -9956,7 +10037,7 @@
                 <a:latin typeface="Arial" panose="020B0604020202020204" pitchFamily="34" charset="0"/>
                 <a:cs typeface="Arial" panose="020B0604020202020204" pitchFamily="34" charset="0"/>
               </a:rPr>
-              <a:t>, hoặc </a:t>
+              <a:t> </a:t>
             </a:r>
             <a:r>
               <a:rPr lang="en-US" sz="2400" b="1" dirty="0">
@@ -10309,17 +10390,51 @@
             </a:r>
           </a:p>
           <a:p>
-            <a:pPr>
+            <a:pPr marL="342900" indent="-342900">
+              <a:buFont typeface="Symbol" panose="05050102010706020507" pitchFamily="18" charset="2"/>
+              <a:buChar char="Þ"/>
+            </a:pPr>
+            <a:r>
+              <a:rPr lang="en-US" sz="2400" dirty="0" smtClean="0">
+                <a:latin typeface="Arial" panose="020B0604020202020204" pitchFamily="34" charset="0"/>
+                <a:cs typeface="Arial" panose="020B0604020202020204" pitchFamily="34" charset="0"/>
+              </a:rPr>
+              <a:t>Vì </a:t>
+            </a:r>
+            <a:r>
+              <a:rPr lang="en-US" sz="2400" dirty="0">
+                <a:latin typeface="Arial" panose="020B0604020202020204" pitchFamily="34" charset="0"/>
+                <a:cs typeface="Arial" panose="020B0604020202020204" pitchFamily="34" charset="0"/>
+              </a:rPr>
+              <a:t>vậy nhóm em quyết định chọn đề tài</a:t>
+            </a:r>
+            <a:r>
+              <a:rPr lang="en-US" sz="2400" dirty="0" smtClean="0">
+                <a:latin typeface="Arial" panose="020B0604020202020204" pitchFamily="34" charset="0"/>
+                <a:cs typeface="Arial" panose="020B0604020202020204" pitchFamily="34" charset="0"/>
+              </a:rPr>
+              <a:t>:</a:t>
+            </a:r>
+          </a:p>
+          <a:p>
+            <a:pPr algn="ctr">
               <a:buClr>
                 <a:srgbClr val="00B404"/>
               </a:buClr>
             </a:pPr>
             <a:r>
+              <a:rPr lang="en-US" sz="2400" dirty="0" smtClean="0">
+                <a:latin typeface="Arial" panose="020B0604020202020204" pitchFamily="34" charset="0"/>
+                <a:cs typeface="Arial" panose="020B0604020202020204" pitchFamily="34" charset="0"/>
+              </a:rPr>
+              <a:t> </a:t>
+            </a:r>
+            <a:r>
               <a:rPr lang="en-US" sz="2400" dirty="0">
                 <a:latin typeface="Arial" panose="020B0604020202020204" pitchFamily="34" charset="0"/>
                 <a:cs typeface="Arial" panose="020B0604020202020204" pitchFamily="34" charset="0"/>
               </a:rPr>
-              <a:t>=&gt; Vì vậy nhóm em quyết định chọn đề tài: “</a:t>
+              <a:t>“</a:t>
             </a:r>
             <a:r>
               <a:rPr lang="en-US" sz="2400" b="1" dirty="0">
@@ -10360,7 +10475,7 @@
         </p:blipFill>
         <p:spPr>
           <a:xfrm>
-            <a:off x="437322" y="1752600"/>
+            <a:off x="437322" y="1505129"/>
             <a:ext cx="8249478" cy="4603750"/>
           </a:xfrm>
           <a:prstGeom prst="rect">
